--- a/djlee/DB/20211229/추가문제.pptx
+++ b/djlee/DB/20211229/추가문제.pptx
@@ -13,6 +13,9 @@
     <p:sldId id="261" r:id="rId7"/>
     <p:sldId id="262" r:id="rId8"/>
     <p:sldId id="263" r:id="rId9"/>
+    <p:sldId id="264" r:id="rId10"/>
+    <p:sldId id="265" r:id="rId11"/>
+    <p:sldId id="266" r:id="rId12"/>
   </p:sldIdLst>
   <p:sldSz cx="12192000" cy="6858000"/>
   <p:notesSz cx="6858000" cy="9144000"/>
@@ -3270,6 +3273,246 @@
 </p:sld>
 </file>
 
+<file path=ppt/slides/slide10.xml><?xml version="1.0" encoding="utf-8"?>
+<p:sld xmlns:a="http://schemas.openxmlformats.org/drawingml/2006/main" xmlns:r="http://schemas.openxmlformats.org/officeDocument/2006/relationships" xmlns:p="http://schemas.openxmlformats.org/presentationml/2006/main">
+  <p:cSld>
+    <p:spTree>
+      <p:nvGrpSpPr>
+        <p:cNvPr id="1" name=""/>
+        <p:cNvGrpSpPr/>
+        <p:nvPr/>
+      </p:nvGrpSpPr>
+      <p:grpSpPr>
+        <a:xfrm>
+          <a:off x="0" y="0"/>
+          <a:ext cx="0" cy="0"/>
+          <a:chOff x="0" y="0"/>
+          <a:chExt cx="0" cy="0"/>
+        </a:xfrm>
+      </p:grpSpPr>
+      <p:sp>
+        <p:nvSpPr>
+          <p:cNvPr id="2" name="제목 1"/>
+          <p:cNvSpPr>
+            <a:spLocks noGrp="1"/>
+          </p:cNvSpPr>
+          <p:nvPr>
+            <p:ph type="title"/>
+          </p:nvPr>
+        </p:nvSpPr>
+        <p:spPr/>
+        <p:txBody>
+          <a:bodyPr/>
+          <a:lstStyle/>
+          <a:p>
+            <a:r>
+              <a:rPr lang="ko-KR" altLang="en-US" dirty="0" smtClean="0"/>
+              <a:t>다음 데이터들을 </a:t>
+            </a:r>
+            <a:r>
+              <a:rPr lang="ko-KR" altLang="en-US" dirty="0" err="1" smtClean="0"/>
+              <a:t>추가하시오</a:t>
+            </a:r>
+            <a:endParaRPr lang="ko-KR" altLang="en-US" dirty="0"/>
+          </a:p>
+        </p:txBody>
+      </p:sp>
+      <p:pic>
+        <p:nvPicPr>
+          <p:cNvPr id="4" name="내용 개체 틀 3"/>
+          <p:cNvPicPr>
+            <a:picLocks noGrp="1" noChangeAspect="1"/>
+          </p:cNvPicPr>
+          <p:nvPr>
+            <p:ph idx="1"/>
+          </p:nvPr>
+        </p:nvPicPr>
+        <p:blipFill>
+          <a:blip r:embed="rId2"/>
+          <a:stretch>
+            <a:fillRect/>
+          </a:stretch>
+        </p:blipFill>
+        <p:spPr>
+          <a:xfrm>
+            <a:off x="997581" y="2096674"/>
+            <a:ext cx="3465677" cy="2660520"/>
+          </a:xfrm>
+          <a:prstGeom prst="rect">
+            <a:avLst/>
+          </a:prstGeom>
+        </p:spPr>
+      </p:pic>
+      <p:pic>
+        <p:nvPicPr>
+          <p:cNvPr id="5" name="그림 4"/>
+          <p:cNvPicPr>
+            <a:picLocks noChangeAspect="1"/>
+          </p:cNvPicPr>
+          <p:nvPr/>
+        </p:nvPicPr>
+        <p:blipFill>
+          <a:blip r:embed="rId3"/>
+          <a:stretch>
+            <a:fillRect/>
+          </a:stretch>
+        </p:blipFill>
+        <p:spPr>
+          <a:xfrm>
+            <a:off x="5414691" y="1690688"/>
+            <a:ext cx="5060398" cy="4216997"/>
+          </a:xfrm>
+          <a:prstGeom prst="rect">
+            <a:avLst/>
+          </a:prstGeom>
+        </p:spPr>
+      </p:pic>
+    </p:spTree>
+    <p:extLst>
+      <p:ext uri="{BB962C8B-B14F-4D97-AF65-F5344CB8AC3E}">
+        <p14:creationId xmlns:p14="http://schemas.microsoft.com/office/powerpoint/2010/main" val="1653506919"/>
+      </p:ext>
+    </p:extLst>
+  </p:cSld>
+  <p:clrMapOvr>
+    <a:masterClrMapping/>
+  </p:clrMapOvr>
+</p:sld>
+</file>
+
+<file path=ppt/slides/slide11.xml><?xml version="1.0" encoding="utf-8"?>
+<p:sld xmlns:a="http://schemas.openxmlformats.org/drawingml/2006/main" xmlns:r="http://schemas.openxmlformats.org/officeDocument/2006/relationships" xmlns:p="http://schemas.openxmlformats.org/presentationml/2006/main">
+  <p:cSld>
+    <p:spTree>
+      <p:nvGrpSpPr>
+        <p:cNvPr id="1" name=""/>
+        <p:cNvGrpSpPr/>
+        <p:nvPr/>
+      </p:nvGrpSpPr>
+      <p:grpSpPr>
+        <a:xfrm>
+          <a:off x="0" y="0"/>
+          <a:ext cx="0" cy="0"/>
+          <a:chOff x="0" y="0"/>
+          <a:chExt cx="0" cy="0"/>
+        </a:xfrm>
+      </p:grpSpPr>
+      <p:sp>
+        <p:nvSpPr>
+          <p:cNvPr id="2" name="제목 1"/>
+          <p:cNvSpPr>
+            <a:spLocks noGrp="1"/>
+          </p:cNvSpPr>
+          <p:nvPr>
+            <p:ph type="title"/>
+          </p:nvPr>
+        </p:nvSpPr>
+        <p:spPr/>
+        <p:txBody>
+          <a:bodyPr/>
+          <a:lstStyle/>
+          <a:p>
+            <a:r>
+              <a:rPr lang="ko-KR" altLang="en-US" dirty="0" smtClean="0"/>
+              <a:t>다음 조건들을 충족하는 출력을 하시오</a:t>
+            </a:r>
+            <a:endParaRPr lang="ko-KR" altLang="en-US" dirty="0"/>
+          </a:p>
+        </p:txBody>
+      </p:sp>
+      <p:sp>
+        <p:nvSpPr>
+          <p:cNvPr id="3" name="내용 개체 틀 2"/>
+          <p:cNvSpPr>
+            <a:spLocks noGrp="1"/>
+          </p:cNvSpPr>
+          <p:nvPr>
+            <p:ph idx="1"/>
+          </p:nvPr>
+        </p:nvSpPr>
+        <p:spPr>
+          <a:xfrm>
+            <a:off x="838200" y="1837199"/>
+            <a:ext cx="10515600" cy="4351338"/>
+          </a:xfrm>
+        </p:spPr>
+        <p:txBody>
+          <a:bodyPr/>
+          <a:lstStyle/>
+          <a:p>
+            <a:r>
+              <a:rPr lang="ko-KR" altLang="en-US" dirty="0" smtClean="0"/>
+              <a:t>학번</a:t>
+            </a:r>
+            <a:r>
+              <a:rPr lang="en-US" altLang="ko-KR" dirty="0" smtClean="0"/>
+              <a:t>, </a:t>
+            </a:r>
+            <a:r>
+              <a:rPr lang="ko-KR" altLang="en-US" dirty="0" smtClean="0"/>
+              <a:t>이름</a:t>
+            </a:r>
+            <a:r>
+              <a:rPr lang="en-US" altLang="ko-KR" dirty="0" smtClean="0"/>
+              <a:t>, </a:t>
+            </a:r>
+            <a:r>
+              <a:rPr lang="ko-KR" altLang="en-US" dirty="0" smtClean="0"/>
+              <a:t>학과</a:t>
+            </a:r>
+            <a:r>
+              <a:rPr lang="en-US" altLang="ko-KR" dirty="0" smtClean="0"/>
+              <a:t>, </a:t>
+            </a:r>
+            <a:r>
+              <a:rPr lang="ko-KR" altLang="en-US" dirty="0" smtClean="0"/>
+              <a:t>학점 출력 되게 하기</a:t>
+            </a:r>
+            <a:endParaRPr lang="en-US" altLang="ko-KR" dirty="0" smtClean="0"/>
+          </a:p>
+          <a:p>
+            <a:r>
+              <a:rPr lang="ko-KR" altLang="en-US" dirty="0" smtClean="0"/>
+              <a:t>학과별 평균 학점 출력</a:t>
+            </a:r>
+            <a:endParaRPr lang="en-US" altLang="ko-KR" dirty="0" smtClean="0"/>
+          </a:p>
+          <a:p>
+            <a:r>
+              <a:rPr lang="ko-KR" altLang="en-US" dirty="0" smtClean="0"/>
+              <a:t>평균 학점이 가장 높은 과 출력</a:t>
+            </a:r>
+            <a:endParaRPr lang="en-US" altLang="ko-KR" dirty="0" smtClean="0"/>
+          </a:p>
+          <a:p>
+            <a:r>
+              <a:rPr lang="ko-KR" altLang="en-US" dirty="0" smtClean="0"/>
+              <a:t>평균 학점이 가장 높은 사람 출력</a:t>
+            </a:r>
+            <a:endParaRPr lang="en-US" altLang="ko-KR" dirty="0" smtClean="0"/>
+          </a:p>
+          <a:p>
+            <a:r>
+              <a:rPr lang="ko-KR" altLang="en-US" dirty="0" smtClean="0"/>
+              <a:t>학과별 학점 가장 높은 사람 출력</a:t>
+            </a:r>
+            <a:endParaRPr lang="ko-KR" altLang="en-US" dirty="0"/>
+          </a:p>
+        </p:txBody>
+      </p:sp>
+    </p:spTree>
+    <p:extLst>
+      <p:ext uri="{BB962C8B-B14F-4D97-AF65-F5344CB8AC3E}">
+        <p14:creationId xmlns:p14="http://schemas.microsoft.com/office/powerpoint/2010/main" val="3910825508"/>
+      </p:ext>
+    </p:extLst>
+  </p:cSld>
+  <p:clrMapOvr>
+    <a:masterClrMapping/>
+  </p:clrMapOvr>
+</p:sld>
+</file>
+
 <file path=ppt/slides/slide2.xml><?xml version="1.0" encoding="utf-8"?>
 <p:sld xmlns:a="http://schemas.openxmlformats.org/drawingml/2006/main" xmlns:r="http://schemas.openxmlformats.org/officeDocument/2006/relationships" xmlns:p="http://schemas.openxmlformats.org/presentationml/2006/main">
   <p:cSld>
@@ -4021,18 +4264,6 @@
               <a:rPr lang="ko-KR" altLang="en-US" dirty="0" smtClean="0"/>
               <a:t>채우시오</a:t>
             </a:r>
-            <a:endParaRPr lang="en-US" altLang="ko-KR" dirty="0" smtClean="0"/>
-          </a:p>
-          <a:p>
-            <a:pPr lvl="1"/>
-            <a:r>
-              <a:rPr lang="ko-KR" altLang="en-US" dirty="0" smtClean="0"/>
-              <a:t>만약 추가되지 않는 데이터가 있다면 이를 </a:t>
-            </a:r>
-            <a:r>
-              <a:rPr lang="ko-KR" altLang="en-US" dirty="0" err="1" smtClean="0"/>
-              <a:t>해결하시오</a:t>
-            </a:r>
             <a:endParaRPr lang="ko-KR" altLang="en-US" dirty="0"/>
           </a:p>
         </p:txBody>
@@ -4753,6 +4984,226 @@
       </p:par>
     </p:tnLst>
   </p:timing>
+</p:sld>
+</file>
+
+<file path=ppt/slides/slide9.xml><?xml version="1.0" encoding="utf-8"?>
+<p:sld xmlns:a="http://schemas.openxmlformats.org/drawingml/2006/main" xmlns:r="http://schemas.openxmlformats.org/officeDocument/2006/relationships" xmlns:p="http://schemas.openxmlformats.org/presentationml/2006/main">
+  <p:cSld>
+    <p:spTree>
+      <p:nvGrpSpPr>
+        <p:cNvPr id="1" name=""/>
+        <p:cNvGrpSpPr/>
+        <p:nvPr/>
+      </p:nvGrpSpPr>
+      <p:grpSpPr>
+        <a:xfrm>
+          <a:off x="0" y="0"/>
+          <a:ext cx="0" cy="0"/>
+          <a:chOff x="0" y="0"/>
+          <a:chExt cx="0" cy="0"/>
+        </a:xfrm>
+      </p:grpSpPr>
+      <p:sp>
+        <p:nvSpPr>
+          <p:cNvPr id="2" name="제목 1"/>
+          <p:cNvSpPr>
+            <a:spLocks noGrp="1"/>
+          </p:cNvSpPr>
+          <p:nvPr>
+            <p:ph type="title"/>
+          </p:nvPr>
+        </p:nvSpPr>
+        <p:spPr/>
+        <p:txBody>
+          <a:bodyPr/>
+          <a:lstStyle/>
+          <a:p>
+            <a:r>
+              <a:rPr lang="en-US" altLang="ko-KR" dirty="0" err="1" smtClean="0"/>
+              <a:t>Univ_student</a:t>
+            </a:r>
+            <a:r>
+              <a:rPr lang="en-US" altLang="ko-KR" dirty="0" smtClean="0"/>
+              <a:t>, </a:t>
+            </a:r>
+            <a:r>
+              <a:rPr lang="en-US" altLang="ko-KR" dirty="0" err="1" smtClean="0"/>
+              <a:t>univ_major</a:t>
+            </a:r>
+            <a:r>
+              <a:rPr lang="en-US" altLang="ko-KR" dirty="0" smtClean="0"/>
+              <a:t> </a:t>
+            </a:r>
+            <a:r>
+              <a:rPr lang="ko-KR" altLang="en-US" dirty="0" smtClean="0"/>
+              <a:t>테이블</a:t>
+            </a:r>
+            <a:endParaRPr lang="ko-KR" altLang="en-US" dirty="0"/>
+          </a:p>
+        </p:txBody>
+      </p:sp>
+      <p:sp>
+        <p:nvSpPr>
+          <p:cNvPr id="3" name="내용 개체 틀 2"/>
+          <p:cNvSpPr>
+            <a:spLocks noGrp="1"/>
+          </p:cNvSpPr>
+          <p:nvPr>
+            <p:ph idx="1"/>
+          </p:nvPr>
+        </p:nvSpPr>
+        <p:spPr/>
+        <p:txBody>
+          <a:bodyPr/>
+          <a:lstStyle/>
+          <a:p>
+            <a:r>
+              <a:rPr lang="en-US" altLang="ko-KR" dirty="0" err="1" smtClean="0"/>
+              <a:t>Univ_student</a:t>
+            </a:r>
+            <a:endParaRPr lang="en-US" altLang="ko-KR" dirty="0" smtClean="0"/>
+          </a:p>
+          <a:p>
+            <a:pPr lvl="1"/>
+            <a:r>
+              <a:rPr lang="ko-KR" altLang="en-US" dirty="0" smtClean="0"/>
+              <a:t>학번 </a:t>
+            </a:r>
+            <a:r>
+              <a:rPr lang="en-US" altLang="ko-KR" dirty="0" err="1" smtClean="0"/>
+              <a:t>int</a:t>
+            </a:r>
+            <a:r>
+              <a:rPr lang="en-US" altLang="ko-KR" dirty="0" smtClean="0"/>
+              <a:t> primary key, </a:t>
+            </a:r>
+            <a:r>
+              <a:rPr lang="ko-KR" altLang="en-US" dirty="0" smtClean="0"/>
+              <a:t>시퀀스 이용하기</a:t>
+            </a:r>
+            <a:endParaRPr lang="en-US" altLang="ko-KR" dirty="0" smtClean="0"/>
+          </a:p>
+          <a:p>
+            <a:pPr lvl="1"/>
+            <a:r>
+              <a:rPr lang="ko-KR" altLang="en-US" dirty="0" smtClean="0"/>
+              <a:t>이름 </a:t>
+            </a:r>
+            <a:r>
+              <a:rPr lang="en-US" altLang="ko-KR" dirty="0" smtClean="0"/>
+              <a:t>varchar2</a:t>
+            </a:r>
+          </a:p>
+          <a:p>
+            <a:pPr lvl="1"/>
+            <a:r>
+              <a:rPr lang="ko-KR" altLang="en-US" dirty="0" err="1" smtClean="0"/>
+              <a:t>학과코드</a:t>
+            </a:r>
+            <a:r>
+              <a:rPr lang="ko-KR" altLang="en-US" dirty="0" smtClean="0"/>
+              <a:t> </a:t>
+            </a:r>
+            <a:r>
+              <a:rPr lang="en-US" altLang="ko-KR" dirty="0" smtClean="0"/>
+              <a:t>char 3</a:t>
+            </a:r>
+            <a:r>
+              <a:rPr lang="ko-KR" altLang="en-US" dirty="0" smtClean="0"/>
+              <a:t>자리 </a:t>
+            </a:r>
+            <a:r>
+              <a:rPr lang="en-US" altLang="ko-KR" dirty="0" smtClean="0"/>
+              <a:t>-&gt; </a:t>
+            </a:r>
+            <a:r>
+              <a:rPr lang="ko-KR" altLang="en-US" dirty="0" smtClean="0"/>
+              <a:t>학과테이블의 영향 받음</a:t>
+            </a:r>
+            <a:endParaRPr lang="en-US" altLang="ko-KR" dirty="0" smtClean="0"/>
+          </a:p>
+          <a:p>
+            <a:pPr lvl="1"/>
+            <a:r>
+              <a:rPr lang="ko-KR" altLang="en-US" dirty="0" smtClean="0"/>
+              <a:t>학점</a:t>
+            </a:r>
+            <a:r>
+              <a:rPr lang="en-US" altLang="ko-KR" dirty="0" smtClean="0"/>
+              <a:t> number (3.45 </a:t>
+            </a:r>
+            <a:r>
+              <a:rPr lang="ko-KR" altLang="en-US" dirty="0" smtClean="0"/>
+              <a:t>와</a:t>
+            </a:r>
+            <a:r>
+              <a:rPr lang="en-US" altLang="ko-KR" dirty="0" smtClean="0"/>
+              <a:t> </a:t>
+            </a:r>
+            <a:r>
+              <a:rPr lang="ko-KR" altLang="en-US" dirty="0" smtClean="0"/>
+              <a:t>같은 대학교 학점</a:t>
+            </a:r>
+            <a:r>
+              <a:rPr lang="en-US" altLang="ko-KR" dirty="0" smtClean="0"/>
+              <a:t>)</a:t>
+            </a:r>
+          </a:p>
+          <a:p>
+            <a:r>
+              <a:rPr lang="en-US" altLang="ko-KR" dirty="0" err="1" smtClean="0"/>
+              <a:t>Univ_major</a:t>
+            </a:r>
+            <a:endParaRPr lang="en-US" altLang="ko-KR" dirty="0" smtClean="0"/>
+          </a:p>
+          <a:p>
+            <a:pPr lvl="1"/>
+            <a:r>
+              <a:rPr lang="ko-KR" altLang="en-US" dirty="0" smtClean="0"/>
+              <a:t>코드 </a:t>
+            </a:r>
+            <a:r>
+              <a:rPr lang="en-US" altLang="ko-KR" dirty="0" smtClean="0"/>
+              <a:t>char 3</a:t>
+            </a:r>
+            <a:r>
+              <a:rPr lang="ko-KR" altLang="en-US" dirty="0" smtClean="0"/>
+              <a:t>자리 </a:t>
+            </a:r>
+            <a:r>
+              <a:rPr lang="en-US" altLang="ko-KR" dirty="0" smtClean="0"/>
+              <a:t>primary key</a:t>
+            </a:r>
+          </a:p>
+          <a:p>
+            <a:pPr lvl="1"/>
+            <a:r>
+              <a:rPr lang="ko-KR" altLang="en-US" dirty="0" err="1" smtClean="0"/>
+              <a:t>학과명</a:t>
+            </a:r>
+            <a:r>
+              <a:rPr lang="ko-KR" altLang="en-US" dirty="0" smtClean="0"/>
+              <a:t> </a:t>
+            </a:r>
+            <a:r>
+              <a:rPr lang="en-US" altLang="ko-KR" dirty="0" smtClean="0"/>
+              <a:t>varchar2</a:t>
+            </a:r>
+            <a:endParaRPr lang="ko-KR" altLang="en-US" dirty="0"/>
+          </a:p>
+        </p:txBody>
+      </p:sp>
+    </p:spTree>
+    <p:extLst>
+      <p:ext uri="{BB962C8B-B14F-4D97-AF65-F5344CB8AC3E}">
+        <p14:creationId xmlns:p14="http://schemas.microsoft.com/office/powerpoint/2010/main" val="2713644436"/>
+      </p:ext>
+    </p:extLst>
+  </p:cSld>
+  <p:clrMapOvr>
+    <a:masterClrMapping/>
+  </p:clrMapOvr>
 </p:sld>
 </file>
 

--- a/djlee/DB/20211229/추가문제.pptx
+++ b/djlee/DB/20211229/추가문제.pptx
@@ -3493,10 +3493,50 @@
           </a:p>
           <a:p>
             <a:r>
-              <a:rPr lang="ko-KR" altLang="en-US" dirty="0" smtClean="0"/>
-              <a:t>학과별 학점 가장 높은 사람 출력</a:t>
-            </a:r>
-            <a:endParaRPr lang="ko-KR" altLang="en-US" dirty="0"/>
+              <a:rPr lang="ko-KR" altLang="en-US" dirty="0" smtClean="0">
+                <a:solidFill>
+                  <a:srgbClr val="FF0000"/>
+                </a:solidFill>
+              </a:rPr>
+              <a:t>학과별 학점 가장 높은 사람 </a:t>
+            </a:r>
+            <a:r>
+              <a:rPr lang="ko-KR" altLang="en-US" dirty="0" smtClean="0">
+                <a:solidFill>
+                  <a:srgbClr val="FF0000"/>
+                </a:solidFill>
+              </a:rPr>
+              <a:t>출력</a:t>
+            </a:r>
+            <a:r>
+              <a:rPr lang="en-US" altLang="ko-KR" dirty="0" smtClean="0">
+                <a:solidFill>
+                  <a:srgbClr val="FF0000"/>
+                </a:solidFill>
+              </a:rPr>
+              <a:t>(</a:t>
+            </a:r>
+            <a:r>
+              <a:rPr lang="ko-KR" altLang="en-US" dirty="0" smtClean="0">
+                <a:solidFill>
+                  <a:srgbClr val="FF0000"/>
+                </a:solidFill>
+              </a:rPr>
+              <a:t>어려움</a:t>
+            </a:r>
+            <a:r>
+              <a:rPr lang="en-US" altLang="ko-KR" smtClean="0">
+                <a:solidFill>
+                  <a:srgbClr val="FF0000"/>
+                </a:solidFill>
+              </a:rPr>
+              <a:t>)</a:t>
+            </a:r>
+            <a:endParaRPr lang="ko-KR" altLang="en-US" dirty="0">
+              <a:solidFill>
+                <a:srgbClr val="FF0000"/>
+              </a:solidFill>
+            </a:endParaRPr>
           </a:p>
         </p:txBody>
       </p:sp>

--- a/djlee/DB/20211229/추가문제.pptx
+++ b/djlee/DB/20211229/추가문제.pptx
@@ -3525,7 +3525,7 @@
               <a:t>어려움</a:t>
             </a:r>
             <a:r>
-              <a:rPr lang="en-US" altLang="ko-KR" smtClean="0">
+              <a:rPr lang="en-US" altLang="ko-KR" dirty="0" smtClean="0">
                 <a:solidFill>
                   <a:srgbClr val="FF0000"/>
                 </a:solidFill>
@@ -3813,7 +3813,11 @@
             <a:graphicFrameLocks noGrp="1"/>
           </p:cNvGraphicFramePr>
           <p:nvPr>
-            <p:extLst/>
+            <p:extLst>
+              <p:ext uri="{D42A27DB-BD31-4B8C-83A1-F6EECF244321}">
+                <p14:modId xmlns:p14="http://schemas.microsoft.com/office/powerpoint/2010/main" val="1057045064"/>
+              </p:ext>
+            </p:extLst>
           </p:nvPr>
         </p:nvGraphicFramePr>
         <p:xfrm>
@@ -4031,8 +4035,19 @@
                     <a:p>
                       <a:pPr latinLnBrk="1"/>
                       <a:r>
+                        <a:rPr lang="en-US" altLang="ko-KR" smtClean="0"/>
+                        <a:t>Varchar (50)</a:t>
+                      </a:r>
+                    </a:p>
+                    <a:p>
+                      <a:pPr latinLnBrk="1"/>
+                      <a:r>
+                        <a:rPr lang="en-US" altLang="ko-KR" smtClean="0"/>
+                        <a:t>not </a:t>
+                      </a:r>
+                      <a:r>
                         <a:rPr lang="en-US" altLang="ko-KR" dirty="0"/>
-                        <a:t>Char(6) not null</a:t>
+                        <a:t>null</a:t>
                       </a:r>
                       <a:endParaRPr lang="ko-KR" altLang="en-US" dirty="0"/>
                     </a:p>

--- a/djlee/DB/20211229/추가문제.pptx
+++ b/djlee/DB/20211229/추가문제.pptx
@@ -4035,14 +4035,14 @@
                     <a:p>
                       <a:pPr latinLnBrk="1"/>
                       <a:r>
-                        <a:rPr lang="en-US" altLang="ko-KR" smtClean="0"/>
+                        <a:rPr lang="en-US" altLang="ko-KR" dirty="0" smtClean="0"/>
                         <a:t>Varchar (50)</a:t>
                       </a:r>
                     </a:p>
                     <a:p>
                       <a:pPr latinLnBrk="1"/>
                       <a:r>
-                        <a:rPr lang="en-US" altLang="ko-KR" smtClean="0"/>
+                        <a:rPr lang="en-US" altLang="ko-KR" dirty="0" smtClean="0"/>
                         <a:t>not </a:t>
                       </a:r>
                       <a:r>
@@ -5022,6 +5022,68 @@
           </a:prstGeom>
         </p:spPr>
       </p:pic>
+      <p:pic>
+        <p:nvPicPr>
+          <p:cNvPr id="6" name="그림 5"/>
+          <p:cNvPicPr>
+            <a:picLocks noChangeAspect="1"/>
+          </p:cNvPicPr>
+          <p:nvPr/>
+        </p:nvPicPr>
+        <p:blipFill>
+          <a:blip r:embed="rId3"/>
+          <a:stretch>
+            <a:fillRect/>
+          </a:stretch>
+        </p:blipFill>
+        <p:spPr>
+          <a:xfrm>
+            <a:off x="3464897" y="4233480"/>
+            <a:ext cx="4217665" cy="1748254"/>
+          </a:xfrm>
+          <a:prstGeom prst="rect">
+            <a:avLst/>
+          </a:prstGeom>
+        </p:spPr>
+      </p:pic>
+      <p:sp>
+        <p:nvSpPr>
+          <p:cNvPr id="7" name="TextBox 6"/>
+          <p:cNvSpPr txBox="1"/>
+          <p:nvPr/>
+        </p:nvSpPr>
+        <p:spPr>
+          <a:xfrm>
+            <a:off x="3646025" y="3553428"/>
+            <a:ext cx="5984331" cy="369332"/>
+          </a:xfrm>
+          <a:prstGeom prst="rect">
+            <a:avLst/>
+          </a:prstGeom>
+          <a:noFill/>
+        </p:spPr>
+        <p:txBody>
+          <a:bodyPr wrap="none" rtlCol="0">
+            <a:spAutoFit/>
+          </a:bodyPr>
+          <a:lstStyle/>
+          <a:p>
+            <a:r>
+              <a:rPr lang="ko-KR" altLang="en-US" dirty="0" smtClean="0"/>
+              <a:t>박수홍 데이터가 있다면 </a:t>
+            </a:r>
+            <a:r>
+              <a:rPr lang="ko-KR" altLang="en-US" err="1" smtClean="0"/>
+              <a:t>박소훙과</a:t>
+            </a:r>
+            <a:r>
+              <a:rPr lang="ko-KR" altLang="en-US" smtClean="0"/>
+              <a:t> 김제동이 나올 것이다</a:t>
+            </a:r>
+            <a:endParaRPr lang="ko-KR" altLang="en-US"/>
+          </a:p>
+        </p:txBody>
+      </p:sp>
     </p:spTree>
     <p:extLst>
       <p:ext uri="{BB962C8B-B14F-4D97-AF65-F5344CB8AC3E}">

--- a/djlee/DB/20211229/추가문제.pptx
+++ b/djlee/DB/20211229/추가문제.pptx
@@ -4207,7 +4207,7 @@
               <a:t>시퀀스 활용</a:t>
             </a:r>
             <a:r>
-              <a:rPr lang="en-US" altLang="ko-KR" smtClean="0"/>
+              <a:rPr lang="en-US" altLang="ko-KR" dirty="0" smtClean="0"/>
               <a:t>)</a:t>
             </a:r>
             <a:endParaRPr lang="ko-KR" altLang="en-US" dirty="0"/>
@@ -5073,14 +5073,14 @@
               <a:t>박수홍 데이터가 있다면 </a:t>
             </a:r>
             <a:r>
-              <a:rPr lang="ko-KR" altLang="en-US" err="1" smtClean="0"/>
+              <a:rPr lang="ko-KR" altLang="en-US" dirty="0" err="1" smtClean="0"/>
               <a:t>박소훙과</a:t>
             </a:r>
             <a:r>
-              <a:rPr lang="ko-KR" altLang="en-US" smtClean="0"/>
+              <a:rPr lang="ko-KR" altLang="en-US" dirty="0" smtClean="0"/>
               <a:t> 김제동이 나올 것이다</a:t>
             </a:r>
-            <a:endParaRPr lang="ko-KR" altLang="en-US"/>
+            <a:endParaRPr lang="ko-KR" altLang="en-US" dirty="0"/>
           </a:p>
         </p:txBody>
       </p:sp>

--- a/djlee/DB/20211229/추가문제.pptx
+++ b/djlee/DB/20211229/추가문제.pptx
@@ -122,6 +122,43 @@
 </p:presentation>
 </file>
 
+<file path=ppt/ink/ink1.xml><?xml version="1.0" encoding="utf-8"?>
+<inkml:ink xmlns:inkml="http://www.w3.org/2003/InkML">
+  <inkml:definitions>
+    <inkml:context xml:id="ctx0">
+      <inkml:inkSource xml:id="inkSrc0">
+        <inkml:traceFormat>
+          <inkml:channel name="X" type="integer" min="-1024" max="1920" units="cm"/>
+          <inkml:channel name="Y" type="integer" max="1080" units="cm"/>
+          <inkml:channel name="T" type="integer" max="2.14748E9" units="dev"/>
+        </inkml:traceFormat>
+        <inkml:channelProperties>
+          <inkml:channelProperty channel="X" name="resolution" value="56.50672" units="1/cm"/>
+          <inkml:channelProperty channel="Y" name="resolution" value="36.86007" units="1/cm"/>
+          <inkml:channelProperty channel="T" name="resolution" value="1" units="1/dev"/>
+        </inkml:channelProperties>
+      </inkml:inkSource>
+      <inkml:timestamp xml:id="ts0" timeString="2022-01-04T01:38:13.893"/>
+    </inkml:context>
+    <inkml:brush xml:id="br0">
+      <inkml:brushProperty name="width" value="0.05292" units="cm"/>
+      <inkml:brushProperty name="height" value="0.05292" units="cm"/>
+      <inkml:brushProperty name="color" value="#FF0000"/>
+    </inkml:brush>
+  </inkml:definitions>
+  <inkml:trace contextRef="#ctx0" brushRef="#br0">5722 7904 0,'0'34'78,"-33"-1"-63,-1 0-15,34 33 16,0 165 15,0-198 0,0 34 1,0-34-1,34-33 94,32 0-78,-33 0-16,-33-33-15,0-1-16,0 1 15,0 0 17,0 0-17,0 0 1,33 33-1,-33-33 1,0-33 0,0 33-1,0 0 1,0 0 0,0 0-1,0-33 1,0 32 15,0 1 0,0 0-15,-33 33 109</inkml:trace>
+  <inkml:trace contextRef="#ctx0" brushRef="#br0" timeOffset="1023.6104">6185 7838 0,'-33'0'31,"-1"33"-31,34 0 31,0 1-31,0 32 16,0 99 15,0 0 0,34-98 16,-1-67-16,0 0 1,0-34-32,33 1 15,-66-33 1,0 0 0,0 33-1,0-33-15,0 33 16,0-33-1,0 33 1,0 0-16,-33-1 31,0 1 1,0 33-17,0-33 32,0 33-16,-1 0-15,1 33 0,-33 0-16</inkml:trace>
+  <inkml:trace contextRef="#ctx0" brushRef="#br0" timeOffset="1937.2025">5622 8930 0,'0'0'0,"-33"33"16,33 0-16,0 0 31,0 132 0,0-66 0,0-65 1,66-1-17,-32 0 1,32-33 0,-33 0 46,0 0-46,-33-66-16,0-1 15,33-65 1,-33 66 0,33 0-1,-33 33 16,-33 0 1,0 33-32,33-33 15,-33 33 1,0 0 46</inkml:trace>
+  <inkml:trace contextRef="#ctx0" brushRef="#br0" timeOffset="2785.5257">6152 8963 0,'0'33'31,"0"0"-31,0 66 16,0 133 31,0-166-16,33-33 0,0-33-31,0 0 16,0 0-1,0 0 1,33 0 0,-33-33 15,-33-33-31,0-67 15,0 34 1,0 33 0,0 33-1,-33 0 32,0 33-31,0-33-1,0 33 1,0 0 15,-66 0-15,-34 0 0,67 0-1</inkml:trace>
+  <inkml:trace contextRef="#ctx0" brushRef="#br0" timeOffset="3791.4465">5556 10021 0,'0'0'0,"0"33"16,0 33-1,0-33 1,0 34-16,33-34 16,-33 33-1,33 33 1,0-66-1,-33 0 1,34-33 15,32 0-15,33 0 0,-33 0-1,-33-33 1,-33-66-1,33 33 1,-33-34 0,0 34-1,-33 0 1,-33 0 15,33 33-15,0 33-1,-33 0 1,33 0 15,0 0 1</inkml:trace>
+  <inkml:trace contextRef="#ctx0" brushRef="#br0" timeOffset="4830.6159">6218 10021 0,'0'33'63,"0"0"-48,0 33 1,66-33-16,-66 1 16,33-1-1,0-33 16,0 0-15,0 0 31,0 0-16,0 0-15,0 0-16,34 0 15,-67-67 17,0 34-17,0 0 1,0 0 0,-34 0-1,1 0 1,-33-33-1,0 0 1,33 33 0,-33 33 62,33 0-63,-33 33 1,66 0 15,0 0-31,0 0 16,0 0 0,0 0-1,0 0 16</inkml:trace>
+  <inkml:trace contextRef="#ctx0" brushRef="#br0" timeOffset="6068.7552">5490 10947 0,'0'33'63,"0"0"-63,0 33 15,0 1 1,0-1-16,0 99 16,0 0-1,0-32 1,0-100 0,33-33 46,33 0-46,34 0 15,-67-33-31,33-100 16,0-32-1,0 66 1,-66-33-1,0 32 1,0 34 0,0 0-1,0 33 1,0 0 15,-33 33-15,0-33-1,0 33 1,-33 0 0,33 0-1,0 0 1,-1 33 0</inkml:trace>
+  <inkml:trace contextRef="#ctx0" brushRef="#br0" timeOffset="6936.9476">6284 10980 0,'33'0'47,"-33"33"-47,0 133 31,0-67-15,0 0-1,33-66 1,66 99-1,-66-98 1,0-34 0,0 0 46,1 0-46,-34-67-1,0-32-15,0 0 16,0-33 0,0 32-1,0 1 1,0 66 0,0 0-1,-34 33 1,34-33-1,-33 33 1,0 0 31,-33 0-31,0 0-1,66 33 1,-66 0-16</inkml:trace>
+  <inkml:trace contextRef="#ctx0" brushRef="#br0" timeOffset="7868.2183">5523 12138 0,'-33'132'32,"33"-33"-32,-33-66 15,0 67 1,0-34-16,33-33 15,0 33 17,0-33-17,0 0 1,66-33 0,-33 0-1,33 0 1,-33 0-1,0-33 1,67-99 0,-100 66-1,33-1 1,0 1 15,-33 0-15,0 0-1,0 0-15,-33 33 32,0 0-17,-67-33 1,34 32 0,33 34-1,0 0 16,0 0-15,0 0 0</inkml:trace>
+  <inkml:trace contextRef="#ctx0" brushRef="#br0" timeOffset="8910.7233">6185 12039 0,'-33'0'16,"-1"0"-1,-65 66-15,99 33 16,-33-66-16,33 33 15,-66 0-15,66 0 16,0-33-16,0 1 16,0-1-1,0 0 1,33 33 15,0-66-15,0 33-1,33-33 1,-33 0 0,1 0-16,-1 0 15,0 0 1,33 0-16,-33 0 16,66-33-1,-66 0 1,-33 0-1,0-67 1,66 34 0,-66-33-1,0 0 17,0 0-32,0 33 15,-33-1 1,-33 34-16,66 0 15,-33 33 1,0 0 0,0 0-1,0 0 1,0 0 0,0 0-1,0 0 16,0 0-31,-1 33 16,1 0 0</inkml:trace>
+</inkml:ink>
+</file>
+
 <file path=ppt/slideLayouts/slideLayout1.xml><?xml version="1.0" encoding="utf-8"?>
 <p:sldLayout xmlns:a="http://schemas.openxmlformats.org/drawingml/2006/main" xmlns:r="http://schemas.openxmlformats.org/officeDocument/2006/relationships" xmlns:p="http://schemas.openxmlformats.org/presentationml/2006/main" type="title" preserve="1">
   <p:cSld name="제목 슬라이드">
@@ -253,7 +290,7 @@
           <a:p>
             <a:fld id="{3DF93BCD-2B50-4234-AB19-4BD2FBC52804}" type="datetimeFigureOut">
               <a:rPr lang="ko-KR" altLang="en-US" smtClean="0"/>
-              <a:t>2021-12-29</a:t>
+              <a:t>2022-01-04</a:t>
             </a:fld>
             <a:endParaRPr lang="ko-KR" altLang="en-US"/>
           </a:p>
@@ -423,7 +460,7 @@
           <a:p>
             <a:fld id="{3DF93BCD-2B50-4234-AB19-4BD2FBC52804}" type="datetimeFigureOut">
               <a:rPr lang="ko-KR" altLang="en-US" smtClean="0"/>
-              <a:t>2021-12-29</a:t>
+              <a:t>2022-01-04</a:t>
             </a:fld>
             <a:endParaRPr lang="ko-KR" altLang="en-US"/>
           </a:p>
@@ -603,7 +640,7 @@
           <a:p>
             <a:fld id="{3DF93BCD-2B50-4234-AB19-4BD2FBC52804}" type="datetimeFigureOut">
               <a:rPr lang="ko-KR" altLang="en-US" smtClean="0"/>
-              <a:t>2021-12-29</a:t>
+              <a:t>2022-01-04</a:t>
             </a:fld>
             <a:endParaRPr lang="ko-KR" altLang="en-US"/>
           </a:p>
@@ -773,7 +810,7 @@
           <a:p>
             <a:fld id="{3DF93BCD-2B50-4234-AB19-4BD2FBC52804}" type="datetimeFigureOut">
               <a:rPr lang="ko-KR" altLang="en-US" smtClean="0"/>
-              <a:t>2021-12-29</a:t>
+              <a:t>2022-01-04</a:t>
             </a:fld>
             <a:endParaRPr lang="ko-KR" altLang="en-US"/>
           </a:p>
@@ -1019,7 +1056,7 @@
           <a:p>
             <a:fld id="{3DF93BCD-2B50-4234-AB19-4BD2FBC52804}" type="datetimeFigureOut">
               <a:rPr lang="ko-KR" altLang="en-US" smtClean="0"/>
-              <a:t>2021-12-29</a:t>
+              <a:t>2022-01-04</a:t>
             </a:fld>
             <a:endParaRPr lang="ko-KR" altLang="en-US"/>
           </a:p>
@@ -1251,7 +1288,7 @@
           <a:p>
             <a:fld id="{3DF93BCD-2B50-4234-AB19-4BD2FBC52804}" type="datetimeFigureOut">
               <a:rPr lang="ko-KR" altLang="en-US" smtClean="0"/>
-              <a:t>2021-12-29</a:t>
+              <a:t>2022-01-04</a:t>
             </a:fld>
             <a:endParaRPr lang="ko-KR" altLang="en-US"/>
           </a:p>
@@ -1618,7 +1655,7 @@
           <a:p>
             <a:fld id="{3DF93BCD-2B50-4234-AB19-4BD2FBC52804}" type="datetimeFigureOut">
               <a:rPr lang="ko-KR" altLang="en-US" smtClean="0"/>
-              <a:t>2021-12-29</a:t>
+              <a:t>2022-01-04</a:t>
             </a:fld>
             <a:endParaRPr lang="ko-KR" altLang="en-US"/>
           </a:p>
@@ -1736,7 +1773,7 @@
           <a:p>
             <a:fld id="{3DF93BCD-2B50-4234-AB19-4BD2FBC52804}" type="datetimeFigureOut">
               <a:rPr lang="ko-KR" altLang="en-US" smtClean="0"/>
-              <a:t>2021-12-29</a:t>
+              <a:t>2022-01-04</a:t>
             </a:fld>
             <a:endParaRPr lang="ko-KR" altLang="en-US"/>
           </a:p>
@@ -1831,7 +1868,7 @@
           <a:p>
             <a:fld id="{3DF93BCD-2B50-4234-AB19-4BD2FBC52804}" type="datetimeFigureOut">
               <a:rPr lang="ko-KR" altLang="en-US" smtClean="0"/>
-              <a:t>2021-12-29</a:t>
+              <a:t>2022-01-04</a:t>
             </a:fld>
             <a:endParaRPr lang="ko-KR" altLang="en-US"/>
           </a:p>
@@ -2108,7 +2145,7 @@
           <a:p>
             <a:fld id="{3DF93BCD-2B50-4234-AB19-4BD2FBC52804}" type="datetimeFigureOut">
               <a:rPr lang="ko-KR" altLang="en-US" smtClean="0"/>
-              <a:t>2021-12-29</a:t>
+              <a:t>2022-01-04</a:t>
             </a:fld>
             <a:endParaRPr lang="ko-KR" altLang="en-US"/>
           </a:p>
@@ -2361,7 +2398,7 @@
           <a:p>
             <a:fld id="{3DF93BCD-2B50-4234-AB19-4BD2FBC52804}" type="datetimeFigureOut">
               <a:rPr lang="ko-KR" altLang="en-US" smtClean="0"/>
-              <a:t>2021-12-29</a:t>
+              <a:t>2022-01-04</a:t>
             </a:fld>
             <a:endParaRPr lang="ko-KR" altLang="en-US"/>
           </a:p>
@@ -2574,7 +2611,7 @@
           <a:p>
             <a:fld id="{3DF93BCD-2B50-4234-AB19-4BD2FBC52804}" type="datetimeFigureOut">
               <a:rPr lang="ko-KR" altLang="en-US" smtClean="0"/>
-              <a:t>2021-12-29</a:t>
+              <a:t>2022-01-04</a:t>
             </a:fld>
             <a:endParaRPr lang="ko-KR" altLang="en-US"/>
           </a:p>
@@ -3367,6 +3404,45 @@
           </a:prstGeom>
         </p:spPr>
       </p:pic>
+      <mc:AlternateContent xmlns:mc="http://schemas.openxmlformats.org/markup-compatibility/2006">
+        <mc:Choice xmlns:p14="http://schemas.microsoft.com/office/powerpoint/2010/main" Requires="p14">
+          <p:contentPart p14:bwMode="auto" r:id="rId4">
+            <p14:nvContentPartPr>
+              <p14:cNvPr id="3" name="잉크 2"/>
+              <p14:cNvContentPartPr/>
+              <p14:nvPr/>
+            </p14:nvContentPartPr>
+            <p14:xfrm>
+              <a:off x="1940760" y="2821680"/>
+              <a:ext cx="429120" cy="1762560"/>
+            </p14:xfrm>
+          </p:contentPart>
+        </mc:Choice>
+        <mc:Fallback>
+          <p:pic>
+            <p:nvPicPr>
+              <p:cNvPr id="3" name="잉크 2"/>
+              <p:cNvPicPr/>
+              <p:nvPr/>
+            </p:nvPicPr>
+            <p:blipFill>
+              <a:blip r:embed="rId5"/>
+              <a:stretch>
+                <a:fillRect/>
+              </a:stretch>
+            </p:blipFill>
+            <p:spPr>
+              <a:xfrm>
+                <a:off x="1931400" y="2812320"/>
+                <a:ext cx="447840" cy="1781280"/>
+              </a:xfrm>
+              <a:prstGeom prst="rect">
+                <a:avLst/>
+              </a:prstGeom>
+            </p:spPr>
+          </p:pic>
+        </mc:Fallback>
+      </mc:AlternateContent>
     </p:spTree>
     <p:extLst>
       <p:ext uri="{BB962C8B-B14F-4D97-AF65-F5344CB8AC3E}">
@@ -3377,6 +3453,13 @@
   <p:clrMapOvr>
     <a:masterClrMapping/>
   </p:clrMapOvr>
+  <p:timing>
+    <p:tnLst>
+      <p:par>
+        <p:cTn id="1" dur="indefinite" restart="never" nodeType="tmRoot"/>
+      </p:par>
+    </p:tnLst>
+  </p:timing>
 </p:sld>
 </file>
 
@@ -3486,8 +3569,12 @@
           </a:p>
           <a:p>
             <a:r>
+              <a:rPr lang="ko-KR" altLang="en-US" smtClean="0"/>
+              <a:t>학점이 </a:t>
+            </a:r>
+            <a:r>
               <a:rPr lang="ko-KR" altLang="en-US" dirty="0" smtClean="0"/>
-              <a:t>평균 학점이 가장 높은 사람 출력</a:t>
+              <a:t>가장 높은 사람 출력</a:t>
             </a:r>
             <a:endParaRPr lang="en-US" altLang="ko-KR" dirty="0" smtClean="0"/>
           </a:p>
@@ -3498,15 +3585,7 @@
                   <a:srgbClr val="FF0000"/>
                 </a:solidFill>
               </a:rPr>
-              <a:t>학과별 학점 가장 높은 사람 </a:t>
-            </a:r>
-            <a:r>
-              <a:rPr lang="ko-KR" altLang="en-US" dirty="0" smtClean="0">
-                <a:solidFill>
-                  <a:srgbClr val="FF0000"/>
-                </a:solidFill>
-              </a:rPr>
-              <a:t>출력</a:t>
+              <a:t>학과별 학점 가장 높은 사람 출력</a:t>
             </a:r>
             <a:r>
               <a:rPr lang="en-US" altLang="ko-KR" dirty="0" smtClean="0">
@@ -3550,6 +3629,13 @@
   <p:clrMapOvr>
     <a:masterClrMapping/>
   </p:clrMapOvr>
+  <p:timing>
+    <p:tnLst>
+      <p:par>
+        <p:cTn id="1" dur="indefinite" restart="never" nodeType="tmRoot"/>
+      </p:par>
+    </p:tnLst>
+  </p:timing>
 </p:sld>
 </file>
 
@@ -5321,6 +5407,13 @@
   <p:clrMapOvr>
     <a:masterClrMapping/>
   </p:clrMapOvr>
+  <p:timing>
+    <p:tnLst>
+      <p:par>
+        <p:cTn id="1" dur="indefinite" restart="never" nodeType="tmRoot"/>
+      </p:par>
+    </p:tnLst>
+  </p:timing>
 </p:sld>
 </file>
 
